--- a/Folien - Trainerleitfaden/Einheit 11 JS Trainerfolien.pptx
+++ b/Folien - Trainerleitfaden/Einheit 11 JS Trainerfolien.pptx
@@ -323,7 +323,7 @@
               <a:rPr lang="de-AT" smtClean="0">
                 <a:latin typeface="Arial" panose="020B0604020202020204" pitchFamily="34" charset="0"/>
               </a:rPr>
-              <a:t>17.05.2021</a:t>
+              <a:t>18.05.2021</a:t>
             </a:fld>
             <a:endParaRPr lang="de-AT" dirty="0">
               <a:latin typeface="Arial" panose="020B0604020202020204" pitchFamily="34" charset="0"/>
@@ -508,7 +508,7 @@
           <a:p>
             <a:fld id="{8D0001EB-ACFE-419D-8563-1D56CA97134C}" type="datetimeFigureOut">
               <a:rPr lang="de-AT" smtClean="0"/>
-              <a:t>17.05.2021</a:t>
+              <a:t>18.05.2021</a:t>
             </a:fld>
             <a:endParaRPr lang="de-AT"/>
           </a:p>
@@ -1360,18 +1360,18 @@
           </a:bodyPr>
           <a:lstStyle>
             <a:lvl1pPr marL="228594" indent="-228594">
-              <a:buFont typeface="Font Awesome 5 Free Solid" panose="02000503000000000000" pitchFamily="50" charset="2"/>
-              <a:buChar char=""/>
+              <a:buFont typeface="Arial" panose="020B0604020202020204" pitchFamily="34" charset="0"/>
+              <a:buChar char="•"/>
               <a:defRPr sz="1200"/>
             </a:lvl1pPr>
             <a:lvl2pPr marL="685783" indent="-228594">
-              <a:buFont typeface="Font Awesome 5 Free Solid" panose="02000503000000000000" pitchFamily="50" charset="2"/>
-              <a:buChar char=""/>
+              <a:buFont typeface="Courier New" panose="02070309020205020404" pitchFamily="49" charset="0"/>
+              <a:buChar char="o"/>
               <a:defRPr sz="1200"/>
             </a:lvl2pPr>
             <a:lvl3pPr marL="1142971" indent="-228594">
-              <a:buFont typeface="Font Awesome 5 Free Solid" panose="02000503000000000000" pitchFamily="50" charset="2"/>
-              <a:buChar char=""/>
+              <a:buFont typeface="Wingdings" panose="05000000000000000000" pitchFamily="2" charset="2"/>
+              <a:buChar char="§"/>
               <a:defRPr sz="1200"/>
             </a:lvl3pPr>
             <a:lvl4pPr>
@@ -3612,6 +3612,10 @@
             </a:lvl9pPr>
           </a:lstStyle>
           <a:p>
+            <a:pPr>
+              <a:buFont typeface="Arial" panose="020B0604020202020204" pitchFamily="34" charset="0"/>
+              <a:buChar char="•"/>
+            </a:pPr>
             <a:r>
               <a:rPr lang="de-AT" dirty="0"/>
               <a:t>Mehrere Variablen mit Wert initialisieren </a:t>
@@ -4959,6 +4963,10 @@
             </a:lvl9pPr>
           </a:lstStyle>
           <a:p>
+            <a:pPr>
+              <a:buFont typeface="Arial" panose="020B0604020202020204" pitchFamily="34" charset="0"/>
+              <a:buChar char="•"/>
+            </a:pPr>
             <a:r>
               <a:rPr lang="de-AT" dirty="0"/>
               <a:t>Ganze Zahlen und Fließkommazahlen behandelt JS gleich als </a:t>
@@ -4970,6 +4978,10 @@
             <a:endParaRPr lang="de-AT" dirty="0"/>
           </a:p>
           <a:p>
+            <a:pPr>
+              <a:buFont typeface="Arial" panose="020B0604020202020204" pitchFamily="34" charset="0"/>
+              <a:buChar char="•"/>
+            </a:pPr>
             <a:r>
               <a:rPr lang="de-AT" dirty="0"/>
               <a:t>Typ einer Variable kann sich in JS im laufe des Programms ändern</a:t>
@@ -6638,7 +6650,7 @@
         <p:spPr>
           <a:xfrm>
             <a:off x="6656613" y="1085851"/>
-            <a:ext cx="5068434" cy="996170"/>
+            <a:ext cx="5068434" cy="590931"/>
           </a:xfrm>
           <a:prstGeom prst="rect">
             <a:avLst/>
@@ -6818,28 +6830,25 @@
               <a:buNone/>
             </a:pPr>
             <a:r>
-              <a:rPr lang="de-AT" dirty="0"/>
+              <a:rPr lang="de-AT" sz="1200" dirty="0"/>
               <a:t>Frage vom Anwender zwei Werte mit dem prompt-Befehl ab. Wandle die Werte dann in Zahlen um und multipliziere sie. Gib das Ergebnis mit </a:t>
             </a:r>
             <a:r>
-              <a:rPr lang="de-AT" dirty="0" err="1">
+              <a:rPr lang="de-AT" sz="1200" dirty="0" err="1">
                 <a:latin typeface="Consolas" panose="020B0609020204030204" pitchFamily="49" charset="0"/>
               </a:rPr>
               <a:t>document.write</a:t>
             </a:r>
             <a:r>
-              <a:rPr lang="de-AT" dirty="0">
+              <a:rPr lang="de-AT" sz="1200" dirty="0">
                 <a:latin typeface="Consolas" panose="020B0609020204030204" pitchFamily="49" charset="0"/>
               </a:rPr>
               <a:t>()</a:t>
             </a:r>
             <a:r>
-              <a:rPr lang="de-AT" dirty="0"/>
+              <a:rPr lang="de-AT" sz="1200" dirty="0"/>
               <a:t> aus.</a:t>
             </a:r>
-          </a:p>
-          <a:p>
-            <a:endParaRPr lang="de-AT" dirty="0"/>
           </a:p>
         </p:txBody>
       </p:sp>
@@ -9513,7 +9522,7 @@
         <p:spPr>
           <a:xfrm>
             <a:off x="5140060" y="3603688"/>
-            <a:ext cx="6102803" cy="608372"/>
+            <a:ext cx="6102803" cy="552972"/>
           </a:xfrm>
           <a:prstGeom prst="rect">
             <a:avLst/>
@@ -9688,14 +9697,22 @@
             </a:lvl9pPr>
           </a:lstStyle>
           <a:p>
-            <a:r>
-              <a:rPr lang="de-AT" dirty="0"/>
+            <a:pPr>
+              <a:buFont typeface="Arial" panose="020B0604020202020204" pitchFamily="34" charset="0"/>
+              <a:buChar char="•"/>
+            </a:pPr>
+            <a:r>
+              <a:rPr lang="de-AT" sz="1200" dirty="0"/>
               <a:t>Häufiger im Einsatz</a:t>
             </a:r>
           </a:p>
           <a:p>
-            <a:r>
-              <a:rPr lang="de-AT" dirty="0"/>
+            <a:pPr>
+              <a:buFont typeface="Arial" panose="020B0604020202020204" pitchFamily="34" charset="0"/>
+              <a:buChar char="•"/>
+            </a:pPr>
+            <a:r>
+              <a:rPr lang="de-AT" sz="1200" dirty="0"/>
               <a:t>Kann gleich befüllt werden</a:t>
             </a:r>
           </a:p>
@@ -9718,7 +9735,7 @@
         <p:spPr>
           <a:xfrm>
             <a:off x="625210" y="2558820"/>
-            <a:ext cx="9882226" cy="286232"/>
+            <a:ext cx="9882226" cy="258532"/>
           </a:xfrm>
           <a:prstGeom prst="rect">
             <a:avLst/>
@@ -9893,8 +9910,12 @@
             </a:lvl9pPr>
           </a:lstStyle>
           <a:p>
-            <a:r>
-              <a:rPr lang="de-AT" dirty="0"/>
+            <a:pPr>
+              <a:buFont typeface="Arial" panose="020B0604020202020204" pitchFamily="34" charset="0"/>
+              <a:buChar char="•"/>
+            </a:pPr>
+            <a:r>
+              <a:rPr lang="de-AT" sz="1200" dirty="0"/>
               <a:t>Arrays sind in JS Objekte mit besonderen Eigenschaften</a:t>
             </a:r>
           </a:p>
@@ -15153,7 +15174,7 @@
         <p:spPr>
           <a:xfrm>
             <a:off x="135992" y="1917465"/>
-            <a:ext cx="5712547" cy="674031"/>
+            <a:ext cx="5712547" cy="424732"/>
           </a:xfrm>
           <a:prstGeom prst="rect">
             <a:avLst/>
@@ -15333,10 +15354,9 @@
               <a:buNone/>
             </a:pPr>
             <a:r>
-              <a:rPr lang="de-AT"/>
+              <a:rPr lang="de-AT" sz="1200" dirty="0"/>
               <a:t>Erstelle ein Programm, das eine Funktion enthält. Dieses soll einen Wert vom Anwender erfragen und daraufhin den doppelten Wert auf der Seite ausgeben</a:t>
             </a:r>
-            <a:endParaRPr lang="de-AT" dirty="0"/>
           </a:p>
         </p:txBody>
       </p:sp>
@@ -17192,6 +17212,10 @@
             </a:lvl9pPr>
           </a:lstStyle>
           <a:p>
+            <a:pPr>
+              <a:buFont typeface="Arial" panose="020B0604020202020204" pitchFamily="34" charset="0"/>
+              <a:buChar char="•"/>
+            </a:pPr>
             <a:r>
               <a:rPr lang="de-AT" dirty="0"/>
               <a:t>JS Datei</a:t>
@@ -17969,6 +17993,10 @@
             </a:lvl9pPr>
           </a:lstStyle>
           <a:p>
+            <a:pPr>
+              <a:buFont typeface="Arial" panose="020B0604020202020204" pitchFamily="34" charset="0"/>
+              <a:buChar char="•"/>
+            </a:pPr>
             <a:r>
               <a:rPr lang="de-AT" dirty="0"/>
               <a:t>der </a:t>
